--- a/Working/TeamWork_ver2.pptx
+++ b/Working/TeamWork_ver2.pptx
@@ -15567,7 +15567,7 @@
                 <a:cs typeface="Roboto"/>
                 <a:sym typeface="Roboto"/>
               </a:rPr>
-              <a:t>Đùn đẩy việc suy nghĩa ý tưởng, giải pháp cho người khác.</a:t>
+              <a:t>Đùn đẩy việc suy nghĩ ý tưởng, giải pháp cho người khác.</a:t>
             </a:r>
             <a:endParaRPr sz="2500">
               <a:latin typeface="Roboto"/>

--- a/Working/TeamWork_ver2.pptx
+++ b/Working/TeamWork_ver2.pptx
@@ -1375,6 +1375,122 @@
             </a:endParaRPr>
           </a:p>
           <a:p>
+            <a:pPr indent="-317500" lvl="0" marL="457200" rtl="0" algn="l">
+              <a:spcBef>
+                <a:spcPts val="0"/>
+              </a:spcBef>
+              <a:spcAft>
+                <a:spcPts val="0"/>
+              </a:spcAft>
+              <a:buClr>
+                <a:schemeClr val="dk1"/>
+              </a:buClr>
+              <a:buSzPts val="1400"/>
+              <a:buFont typeface="Times New Roman"/>
+              <a:buChar char="-"/>
+            </a:pPr>
+            <a:r>
+              <a:t/>
+            </a:r>
+            <a:endParaRPr sz="1400">
+              <a:solidFill>
+                <a:schemeClr val="dk1"/>
+              </a:solidFill>
+              <a:latin typeface="Times New Roman"/>
+              <a:ea typeface="Times New Roman"/>
+              <a:cs typeface="Times New Roman"/>
+              <a:sym typeface="Times New Roman"/>
+            </a:endParaRPr>
+          </a:p>
+          <a:p>
+            <a:pPr indent="0" lvl="0" marL="0" rtl="0" algn="l">
+              <a:spcBef>
+                <a:spcPts val="0"/>
+              </a:spcBef>
+              <a:spcAft>
+                <a:spcPts val="0"/>
+              </a:spcAft>
+              <a:buNone/>
+            </a:pPr>
+            <a:r>
+              <a:rPr b="1" lang="en-US" sz="1400">
+                <a:solidFill>
+                  <a:schemeClr val="dk1"/>
+                </a:solidFill>
+                <a:latin typeface="Times New Roman"/>
+                <a:ea typeface="Times New Roman"/>
+                <a:cs typeface="Times New Roman"/>
+                <a:sym typeface="Times New Roman"/>
+              </a:rPr>
+              <a:t>VD thực tế:</a:t>
+            </a:r>
+            <a:r>
+              <a:rPr lang="en-US" sz="1400">
+                <a:solidFill>
+                  <a:schemeClr val="dk1"/>
+                </a:solidFill>
+                <a:latin typeface="Times New Roman"/>
+                <a:ea typeface="Times New Roman"/>
+                <a:cs typeface="Times New Roman"/>
+                <a:sym typeface="Times New Roman"/>
+              </a:rPr>
+              <a:t> Một vài bạn năng nổ, nhiệt tình làm việc nhóm ôm đồm gần như toàn bộ công việc của nhóm. Các bạn khác thấy công việc đã đó người khác lo nên cũng chẳng quan tâm hay xung phong chia sẻ công việc.</a:t>
+            </a:r>
+            <a:endParaRPr sz="1400">
+              <a:solidFill>
+                <a:schemeClr val="dk1"/>
+              </a:solidFill>
+              <a:latin typeface="Times New Roman"/>
+              <a:ea typeface="Times New Roman"/>
+              <a:cs typeface="Times New Roman"/>
+              <a:sym typeface="Times New Roman"/>
+            </a:endParaRPr>
+          </a:p>
+          <a:p>
+            <a:pPr indent="0" lvl="0" marL="0" rtl="0" algn="l">
+              <a:spcBef>
+                <a:spcPts val="0"/>
+              </a:spcBef>
+              <a:spcAft>
+                <a:spcPts val="0"/>
+              </a:spcAft>
+              <a:buNone/>
+            </a:pPr>
+            <a:r>
+              <a:rPr b="1" lang="en-US" sz="1400">
+                <a:solidFill>
+                  <a:schemeClr val="dk1"/>
+                </a:solidFill>
+                <a:latin typeface="Times New Roman"/>
+                <a:ea typeface="Times New Roman"/>
+                <a:cs typeface="Times New Roman"/>
+                <a:sym typeface="Times New Roman"/>
+              </a:rPr>
+              <a:t>Giải pháp mà nhóm đã áp dụng: </a:t>
+            </a:r>
+            <a:r>
+              <a:rPr lang="en-US" sz="1400">
+                <a:solidFill>
+                  <a:schemeClr val="dk1"/>
+                </a:solidFill>
+                <a:latin typeface="Times New Roman"/>
+                <a:ea typeface="Times New Roman"/>
+                <a:cs typeface="Times New Roman"/>
+                <a:sym typeface="Times New Roman"/>
+              </a:rPr>
+              <a:t>Kêu tên trực tiếp những thành viên không tham gia thảo luận và khuyến khích đưa ra ý kiến.</a:t>
+            </a:r>
+            <a:endParaRPr sz="1400">
+              <a:solidFill>
+                <a:schemeClr val="dk1"/>
+              </a:solidFill>
+              <a:latin typeface="Times New Roman"/>
+              <a:ea typeface="Times New Roman"/>
+              <a:cs typeface="Times New Roman"/>
+              <a:sym typeface="Times New Roman"/>
+            </a:endParaRPr>
+          </a:p>
+          <a:p>
             <a:pPr indent="0" lvl="0" marL="0" rtl="0" algn="l">
               <a:spcBef>
                 <a:spcPts val="0"/>
@@ -1821,6 +1937,122 @@
                 <a:sym typeface="Times New Roman"/>
               </a:rPr>
               <a:t>Khuyến khích tinh thần cho nhóm, liên tục nhắc nhở về mục tiêu và thành tích mà cả nhóm hướng đến.</a:t>
+            </a:r>
+            <a:endParaRPr sz="1400">
+              <a:solidFill>
+                <a:schemeClr val="dk1"/>
+              </a:solidFill>
+              <a:latin typeface="Times New Roman"/>
+              <a:ea typeface="Times New Roman"/>
+              <a:cs typeface="Times New Roman"/>
+              <a:sym typeface="Times New Roman"/>
+            </a:endParaRPr>
+          </a:p>
+          <a:p>
+            <a:pPr indent="0" lvl="0" marL="457200" rtl="0" algn="l">
+              <a:spcBef>
+                <a:spcPts val="0"/>
+              </a:spcBef>
+              <a:spcAft>
+                <a:spcPts val="0"/>
+              </a:spcAft>
+              <a:buNone/>
+            </a:pPr>
+            <a:r>
+              <a:t/>
+            </a:r>
+            <a:endParaRPr sz="1400">
+              <a:solidFill>
+                <a:schemeClr val="dk1"/>
+              </a:solidFill>
+              <a:latin typeface="Times New Roman"/>
+              <a:ea typeface="Times New Roman"/>
+              <a:cs typeface="Times New Roman"/>
+              <a:sym typeface="Times New Roman"/>
+            </a:endParaRPr>
+          </a:p>
+          <a:p>
+            <a:pPr indent="0" lvl="0" marL="0" rtl="0" algn="l">
+              <a:spcBef>
+                <a:spcPts val="0"/>
+              </a:spcBef>
+              <a:spcAft>
+                <a:spcPts val="0"/>
+              </a:spcAft>
+              <a:buClr>
+                <a:schemeClr val="dk1"/>
+              </a:buClr>
+              <a:buSzPts val="1100"/>
+              <a:buFont typeface="Arial"/>
+              <a:buNone/>
+            </a:pPr>
+            <a:r>
+              <a:rPr b="1" lang="en-US" sz="1400">
+                <a:solidFill>
+                  <a:schemeClr val="dk1"/>
+                </a:solidFill>
+                <a:latin typeface="Times New Roman"/>
+                <a:ea typeface="Times New Roman"/>
+                <a:cs typeface="Times New Roman"/>
+                <a:sym typeface="Times New Roman"/>
+              </a:rPr>
+              <a:t>VD thực tế:</a:t>
+            </a:r>
+            <a:r>
+              <a:rPr lang="en-US" sz="1400">
+                <a:solidFill>
+                  <a:schemeClr val="dk1"/>
+                </a:solidFill>
+                <a:latin typeface="Times New Roman"/>
+                <a:ea typeface="Times New Roman"/>
+                <a:cs typeface="Times New Roman"/>
+                <a:sym typeface="Times New Roman"/>
+              </a:rPr>
+              <a:t> Một vài bạn năng nổ, nhiệt tình làm việc nhóm ôm đồm gần như toàn bộ công việc của nhóm. Các bạn khác thấy công việc đã đó người khác lo nên cũng chẳng quan tâm hay xung phong chia sẻ công việc.</a:t>
+            </a:r>
+            <a:endParaRPr sz="1400">
+              <a:solidFill>
+                <a:schemeClr val="dk1"/>
+              </a:solidFill>
+              <a:latin typeface="Times New Roman"/>
+              <a:ea typeface="Times New Roman"/>
+              <a:cs typeface="Times New Roman"/>
+              <a:sym typeface="Times New Roman"/>
+            </a:endParaRPr>
+          </a:p>
+          <a:p>
+            <a:pPr indent="0" lvl="0" marL="0" rtl="0" algn="l">
+              <a:spcBef>
+                <a:spcPts val="0"/>
+              </a:spcBef>
+              <a:spcAft>
+                <a:spcPts val="0"/>
+              </a:spcAft>
+              <a:buNone/>
+            </a:pPr>
+            <a:r>
+              <a:rPr b="1" lang="en-US" sz="1400">
+                <a:solidFill>
+                  <a:schemeClr val="dk1"/>
+                </a:solidFill>
+                <a:latin typeface="Times New Roman"/>
+                <a:ea typeface="Times New Roman"/>
+                <a:cs typeface="Times New Roman"/>
+                <a:sym typeface="Times New Roman"/>
+              </a:rPr>
+              <a:t>Giải pháp thực tế: </a:t>
+            </a:r>
+            <a:r>
+              <a:rPr lang="en-US" sz="1400">
+                <a:solidFill>
+                  <a:schemeClr val="dk1"/>
+                </a:solidFill>
+                <a:latin typeface="Times New Roman"/>
+                <a:ea typeface="Times New Roman"/>
+                <a:cs typeface="Times New Roman"/>
+                <a:sym typeface="Times New Roman"/>
+              </a:rPr>
+              <a:t>Chủ động phân chia công việc trực tiếp cho các thành viên ít hoạt động, theo dõi và đốc thúc tiến độ làm việc.</a:t>
             </a:r>
             <a:endParaRPr sz="1400">
               <a:solidFill>
@@ -2286,6 +2518,178 @@
               <a:sym typeface="Times New Roman"/>
             </a:endParaRPr>
           </a:p>
+          <a:p>
+            <a:pPr indent="0" lvl="0" marL="0" rtl="0" algn="l">
+              <a:spcBef>
+                <a:spcPts val="0"/>
+              </a:spcBef>
+              <a:spcAft>
+                <a:spcPts val="0"/>
+              </a:spcAft>
+              <a:buNone/>
+            </a:pPr>
+            <a:r>
+              <a:t/>
+            </a:r>
+            <a:endParaRPr sz="1400">
+              <a:solidFill>
+                <a:schemeClr val="dk1"/>
+              </a:solidFill>
+              <a:latin typeface="Times New Roman"/>
+              <a:ea typeface="Times New Roman"/>
+              <a:cs typeface="Times New Roman"/>
+              <a:sym typeface="Times New Roman"/>
+            </a:endParaRPr>
+          </a:p>
+          <a:p>
+            <a:pPr indent="-317500" lvl="0" marL="457200" rtl="0" algn="l">
+              <a:spcBef>
+                <a:spcPts val="0"/>
+              </a:spcBef>
+              <a:spcAft>
+                <a:spcPts val="0"/>
+              </a:spcAft>
+              <a:buClr>
+                <a:schemeClr val="dk1"/>
+              </a:buClr>
+              <a:buSzPts val="1400"/>
+              <a:buFont typeface="Times New Roman"/>
+              <a:buChar char="-"/>
+            </a:pPr>
+            <a:r>
+              <a:t/>
+            </a:r>
+            <a:endParaRPr sz="1400">
+              <a:solidFill>
+                <a:schemeClr val="dk1"/>
+              </a:solidFill>
+              <a:latin typeface="Times New Roman"/>
+              <a:ea typeface="Times New Roman"/>
+              <a:cs typeface="Times New Roman"/>
+              <a:sym typeface="Times New Roman"/>
+            </a:endParaRPr>
+          </a:p>
+          <a:p>
+            <a:pPr indent="0" lvl="0" marL="0" rtl="0" algn="l">
+              <a:spcBef>
+                <a:spcPts val="0"/>
+              </a:spcBef>
+              <a:spcAft>
+                <a:spcPts val="0"/>
+              </a:spcAft>
+              <a:buClr>
+                <a:schemeClr val="dk1"/>
+              </a:buClr>
+              <a:buSzPts val="1100"/>
+              <a:buFont typeface="Arial"/>
+              <a:buNone/>
+            </a:pPr>
+            <a:r>
+              <a:rPr b="1" lang="en-US" sz="1400">
+                <a:solidFill>
+                  <a:schemeClr val="dk1"/>
+                </a:solidFill>
+                <a:latin typeface="Times New Roman"/>
+                <a:ea typeface="Times New Roman"/>
+                <a:cs typeface="Times New Roman"/>
+                <a:sym typeface="Times New Roman"/>
+              </a:rPr>
+              <a:t>VD thực tế:</a:t>
+            </a:r>
+            <a:r>
+              <a:rPr lang="en-US" sz="1400">
+                <a:solidFill>
+                  <a:schemeClr val="dk1"/>
+                </a:solidFill>
+                <a:latin typeface="Times New Roman"/>
+                <a:ea typeface="Times New Roman"/>
+                <a:cs typeface="Times New Roman"/>
+                <a:sym typeface="Times New Roman"/>
+              </a:rPr>
+              <a:t> Các thành viên nhiệt tình làm việc nhóm thường xảy ra mâu thuẫn với các thành viên ít hoạt động vì họ phải ôm đồm quá nhiều việc trong khi các thành viên còn lại không làm mà vẫn có ăn. =))</a:t>
+            </a:r>
+            <a:endParaRPr sz="1400">
+              <a:solidFill>
+                <a:schemeClr val="dk1"/>
+              </a:solidFill>
+              <a:latin typeface="Times New Roman"/>
+              <a:ea typeface="Times New Roman"/>
+              <a:cs typeface="Times New Roman"/>
+              <a:sym typeface="Times New Roman"/>
+            </a:endParaRPr>
+          </a:p>
+          <a:p>
+            <a:pPr indent="0" lvl="0" marL="0" rtl="0" algn="l">
+              <a:spcBef>
+                <a:spcPts val="0"/>
+              </a:spcBef>
+              <a:spcAft>
+                <a:spcPts val="0"/>
+              </a:spcAft>
+              <a:buClr>
+                <a:schemeClr val="dk1"/>
+              </a:buClr>
+              <a:buSzPts val="1100"/>
+              <a:buFont typeface="Arial"/>
+              <a:buNone/>
+            </a:pPr>
+            <a:r>
+              <a:rPr b="1" lang="en-US" sz="1400">
+                <a:solidFill>
+                  <a:schemeClr val="dk1"/>
+                </a:solidFill>
+                <a:latin typeface="Times New Roman"/>
+                <a:ea typeface="Times New Roman"/>
+                <a:cs typeface="Times New Roman"/>
+                <a:sym typeface="Times New Roman"/>
+              </a:rPr>
+              <a:t>Giải pháp mà nhóm đã áp dụng: </a:t>
+            </a:r>
+            <a:r>
+              <a:rPr lang="en-US" sz="1400">
+                <a:solidFill>
+                  <a:schemeClr val="dk1"/>
+                </a:solidFill>
+                <a:latin typeface="Times New Roman"/>
+                <a:ea typeface="Times New Roman"/>
+                <a:cs typeface="Times New Roman"/>
+                <a:sym typeface="Times New Roman"/>
+              </a:rPr>
+              <a:t>Chủ động giảng hoà, giải quyết mâu thuẫn bằng cách phân chia lượng công việc đồng đều hơn. </a:t>
+            </a:r>
+            <a:endParaRPr sz="1400">
+              <a:solidFill>
+                <a:schemeClr val="dk1"/>
+              </a:solidFill>
+              <a:latin typeface="Times New Roman"/>
+              <a:ea typeface="Times New Roman"/>
+              <a:cs typeface="Times New Roman"/>
+              <a:sym typeface="Times New Roman"/>
+            </a:endParaRPr>
+          </a:p>
+          <a:p>
+            <a:pPr indent="0" lvl="0" marL="0" rtl="0" algn="l">
+              <a:spcBef>
+                <a:spcPts val="0"/>
+              </a:spcBef>
+              <a:spcAft>
+                <a:spcPts val="0"/>
+              </a:spcAft>
+              <a:buNone/>
+            </a:pPr>
+            <a:r>
+              <a:t/>
+            </a:r>
+            <a:endParaRPr sz="1400">
+              <a:solidFill>
+                <a:schemeClr val="dk1"/>
+              </a:solidFill>
+              <a:latin typeface="Times New Roman"/>
+              <a:ea typeface="Times New Roman"/>
+              <a:cs typeface="Times New Roman"/>
+              <a:sym typeface="Times New Roman"/>
+            </a:endParaRPr>
+          </a:p>
         </p:txBody>
       </p:sp>
       <p:sp>
@@ -2641,6 +3045,94 @@
                 <a:sym typeface="Times New Roman"/>
               </a:rPr>
               <a:t>Tổ chức các buổi video call hoặc các buổi gặp trực tiếp để tăng tính đoàn kết.</a:t>
+            </a:r>
+            <a:endParaRPr sz="1400">
+              <a:solidFill>
+                <a:schemeClr val="dk1"/>
+              </a:solidFill>
+              <a:latin typeface="Times New Roman"/>
+              <a:ea typeface="Times New Roman"/>
+              <a:cs typeface="Times New Roman"/>
+              <a:sym typeface="Times New Roman"/>
+            </a:endParaRPr>
+          </a:p>
+          <a:p>
+            <a:pPr indent="0" lvl="0" marL="0" rtl="0" algn="l">
+              <a:spcBef>
+                <a:spcPts val="1600"/>
+              </a:spcBef>
+              <a:spcAft>
+                <a:spcPts val="0"/>
+              </a:spcAft>
+              <a:buNone/>
+            </a:pPr>
+            <a:r>
+              <a:rPr b="1" lang="en-US" sz="1400">
+                <a:solidFill>
+                  <a:schemeClr val="dk1"/>
+                </a:solidFill>
+                <a:latin typeface="Times New Roman"/>
+                <a:ea typeface="Times New Roman"/>
+                <a:cs typeface="Times New Roman"/>
+                <a:sym typeface="Times New Roman"/>
+              </a:rPr>
+              <a:t>VD thực tế:</a:t>
+            </a:r>
+            <a:r>
+              <a:rPr lang="en-US" sz="1400">
+                <a:solidFill>
+                  <a:schemeClr val="dk1"/>
+                </a:solidFill>
+                <a:latin typeface="Times New Roman"/>
+                <a:ea typeface="Times New Roman"/>
+                <a:cs typeface="Times New Roman"/>
+                <a:sym typeface="Times New Roman"/>
+              </a:rPr>
+              <a:t> Những ngày đầu các thành viên còn ngại ngùng, chưa tương tác nhiều với nhau. Nhóm bị chia thành các nhóm nhỏ và các thành viên không quen biết ai dần trở nên bị cô lập.</a:t>
+            </a:r>
+            <a:endParaRPr sz="1400">
+              <a:solidFill>
+                <a:schemeClr val="dk1"/>
+              </a:solidFill>
+              <a:latin typeface="Times New Roman"/>
+              <a:ea typeface="Times New Roman"/>
+              <a:cs typeface="Times New Roman"/>
+              <a:sym typeface="Times New Roman"/>
+            </a:endParaRPr>
+          </a:p>
+          <a:p>
+            <a:pPr indent="0" lvl="0" marL="0" rtl="0" algn="l">
+              <a:spcBef>
+                <a:spcPts val="0"/>
+              </a:spcBef>
+              <a:spcAft>
+                <a:spcPts val="0"/>
+              </a:spcAft>
+              <a:buNone/>
+            </a:pPr>
+            <a:r>
+              <a:rPr b="1" lang="en-US" sz="1400">
+                <a:solidFill>
+                  <a:schemeClr val="dk1"/>
+                </a:solidFill>
+                <a:latin typeface="Times New Roman"/>
+                <a:ea typeface="Times New Roman"/>
+                <a:cs typeface="Times New Roman"/>
+                <a:sym typeface="Times New Roman"/>
+              </a:rPr>
+              <a:t>Giải pháp mà nhóm đã áp dụng: </a:t>
+            </a:r>
+            <a:r>
+              <a:rPr lang="en-US" sz="1400">
+                <a:solidFill>
+                  <a:schemeClr val="dk1"/>
+                </a:solidFill>
+                <a:latin typeface="Times New Roman"/>
+                <a:ea typeface="Times New Roman"/>
+                <a:cs typeface="Times New Roman"/>
+                <a:sym typeface="Times New Roman"/>
+              </a:rPr>
+              <a:t>Tổ chức các buổi họp mặt trực tiếp tại trường sau buổi học, các buổi hợp nhóm video call.</a:t>
             </a:r>
             <a:endParaRPr sz="1400">
               <a:solidFill>
@@ -2914,6 +3406,94 @@
                 <a:sym typeface="Times New Roman"/>
               </a:rPr>
               <a:t>Quản lý và quan sát hiệu quả làm việc để có giải pháp kịp thời. Tránh phát sinh một lúc quá nhiều vấn đề</a:t>
+            </a:r>
+            <a:endParaRPr sz="1400">
+              <a:solidFill>
+                <a:schemeClr val="dk1"/>
+              </a:solidFill>
+              <a:latin typeface="Times New Roman"/>
+              <a:ea typeface="Times New Roman"/>
+              <a:cs typeface="Times New Roman"/>
+              <a:sym typeface="Times New Roman"/>
+            </a:endParaRPr>
+          </a:p>
+          <a:p>
+            <a:pPr indent="0" lvl="0" marL="0" rtl="0" algn="l">
+              <a:spcBef>
+                <a:spcPts val="1600"/>
+              </a:spcBef>
+              <a:spcAft>
+                <a:spcPts val="0"/>
+              </a:spcAft>
+              <a:buNone/>
+            </a:pPr>
+            <a:r>
+              <a:rPr b="1" lang="en-US" sz="1400">
+                <a:solidFill>
+                  <a:schemeClr val="dk1"/>
+                </a:solidFill>
+                <a:latin typeface="Times New Roman"/>
+                <a:ea typeface="Times New Roman"/>
+                <a:cs typeface="Times New Roman"/>
+                <a:sym typeface="Times New Roman"/>
+              </a:rPr>
+              <a:t>VD thực tế:</a:t>
+            </a:r>
+            <a:r>
+              <a:rPr lang="en-US" sz="1400">
+                <a:solidFill>
+                  <a:schemeClr val="dk1"/>
+                </a:solidFill>
+                <a:latin typeface="Times New Roman"/>
+                <a:ea typeface="Times New Roman"/>
+                <a:cs typeface="Times New Roman"/>
+                <a:sym typeface="Times New Roman"/>
+              </a:rPr>
+              <a:t> Các thành viên chưa có kinh nghiệm làm việc với 1 nhóm trên 4 người. Nhóm trưởng cũng không quản lý được hết tất cả thành viên.</a:t>
+            </a:r>
+            <a:endParaRPr sz="1400">
+              <a:solidFill>
+                <a:schemeClr val="dk1"/>
+              </a:solidFill>
+              <a:latin typeface="Times New Roman"/>
+              <a:ea typeface="Times New Roman"/>
+              <a:cs typeface="Times New Roman"/>
+              <a:sym typeface="Times New Roman"/>
+            </a:endParaRPr>
+          </a:p>
+          <a:p>
+            <a:pPr indent="0" lvl="0" marL="0" rtl="0" algn="l">
+              <a:spcBef>
+                <a:spcPts val="0"/>
+              </a:spcBef>
+              <a:spcAft>
+                <a:spcPts val="0"/>
+              </a:spcAft>
+              <a:buNone/>
+            </a:pPr>
+            <a:r>
+              <a:rPr b="1" lang="en-US" sz="1400">
+                <a:solidFill>
+                  <a:schemeClr val="dk1"/>
+                </a:solidFill>
+                <a:latin typeface="Times New Roman"/>
+                <a:ea typeface="Times New Roman"/>
+                <a:cs typeface="Times New Roman"/>
+                <a:sym typeface="Times New Roman"/>
+              </a:rPr>
+              <a:t>Giải pháp mà nhóm đã áp dụng: </a:t>
+            </a:r>
+            <a:r>
+              <a:rPr lang="en-US" sz="1400">
+                <a:solidFill>
+                  <a:schemeClr val="dk1"/>
+                </a:solidFill>
+                <a:latin typeface="Times New Roman"/>
+                <a:ea typeface="Times New Roman"/>
+                <a:cs typeface="Times New Roman"/>
+                <a:sym typeface="Times New Roman"/>
+              </a:rPr>
+              <a:t>Thay đổi cách quản lý nhóm, quan tâm nhiều hơn đến từng thành viên trong nhóm, đốc thúc tiến độ, năng suất làm việc.</a:t>
             </a:r>
             <a:endParaRPr sz="1400">
               <a:solidFill>
